--- a/Project/Outline.pptx
+++ b/Project/Outline.pptx
@@ -107,6 +107,11 @@
       </a:defRPr>
     </a:lvl9pPr>
   </p:defaultTextStyle>
+  <p:extLst>
+    <p:ext uri="{EFAFB233-063F-42B5-8137-9DF3F51BA10A}">
+      <p15:sldGuideLst xmlns:p15="http://schemas.microsoft.com/office/powerpoint/2012/main"/>
+    </p:ext>
+  </p:extLst>
 </p:presentation>
 </file>
 
@@ -360,6 +365,13 @@
                 </c:ext>
               </c:extLst>
             </c:dLbl>
+            <c:spPr>
+              <a:noFill/>
+              <a:ln>
+                <a:noFill/>
+              </a:ln>
+              <a:effectLst/>
+            </c:spPr>
             <c:txPr>
               <a:bodyPr rot="0" spcFirstLastPara="1" vertOverflow="ellipsis" vert="horz" wrap="square" lIns="38100" tIns="19050" rIns="38100" bIns="19050" anchor="ctr" anchorCtr="1">
                 <a:spAutoFit/>
@@ -5363,7 +5375,14 @@
                 <a:latin typeface="Arial" panose="020B0604020202020204" pitchFamily="34" charset="0"/>
                 <a:cs typeface="Arial" panose="020B0604020202020204" pitchFamily="34" charset="0"/>
               </a:rPr>
-              <a:t>–Summary</a:t>
+              <a:t>–</a:t>
+            </a:r>
+            <a:r>
+              <a:rPr lang="en-US" altLang="zh-CN" sz="1400" dirty="0" err="1">
+                <a:latin typeface="Arial" panose="020B0604020202020204" pitchFamily="34" charset="0"/>
+                <a:cs typeface="Arial" panose="020B0604020202020204" pitchFamily="34" charset="0"/>
+              </a:rPr>
+              <a:t>sßummary</a:t>
             </a:r>
             <a:r>
               <a:rPr lang="zh-CN" altLang="en-US" sz="1400" dirty="0">
@@ -5630,7 +5649,7 @@
                 <a:latin typeface="Arial" panose="020B0604020202020204" pitchFamily="34" charset="0"/>
                 <a:cs typeface="Arial" panose="020B0604020202020204" pitchFamily="34" charset="0"/>
               </a:rPr>
-              <a:t>(Step</a:t>
+              <a:t>(step</a:t>
             </a:r>
             <a:r>
               <a:rPr lang="zh-CN" altLang="en-US" sz="2000" dirty="0">

--- a/Project/Outline.pptx
+++ b/Project/Outline.pptx
@@ -4733,7 +4733,7 @@
         </p:nvSpPr>
         <p:spPr>
           <a:xfrm>
-            <a:off x="811693" y="318443"/>
+            <a:off x="811693" y="130185"/>
             <a:ext cx="9997583" cy="400110"/>
           </a:xfrm>
           <a:prstGeom prst="rect">
@@ -4902,7 +4902,7 @@
         </p:nvSpPr>
         <p:spPr>
           <a:xfrm>
-            <a:off x="-56273" y="749021"/>
+            <a:off x="-56273" y="560763"/>
             <a:ext cx="12309231" cy="707886"/>
           </a:xfrm>
           <a:prstGeom prst="rect">
@@ -5257,13 +5257,13 @@
           <p:nvPr>
             <p:extLst>
               <p:ext uri="{D42A27DB-BD31-4B8C-83A1-F6EECF244321}">
-                <p14:modId xmlns:p14="http://schemas.microsoft.com/office/powerpoint/2010/main" val="3109327272"/>
+                <p14:modId xmlns:p14="http://schemas.microsoft.com/office/powerpoint/2010/main" val="2562546409"/>
               </p:ext>
             </p:extLst>
           </p:nvPr>
         </p:nvGraphicFramePr>
         <p:xfrm>
-          <a:off x="3044137" y="5092945"/>
+          <a:off x="3044137" y="4904687"/>
           <a:ext cx="2752752" cy="1835168"/>
         </p:xfrm>
         <a:graphic>
@@ -5286,8 +5286,8 @@
         </p:nvSpPr>
         <p:spPr>
           <a:xfrm>
-            <a:off x="5420833" y="5308809"/>
-            <a:ext cx="5347777" cy="1384995"/>
+            <a:off x="5221452" y="5018300"/>
+            <a:ext cx="6970548" cy="1600438"/>
           </a:xfrm>
           <a:prstGeom prst="rect">
             <a:avLst/>
@@ -5375,14 +5375,72 @@
                 <a:latin typeface="Arial" panose="020B0604020202020204" pitchFamily="34" charset="0"/>
                 <a:cs typeface="Arial" panose="020B0604020202020204" pitchFamily="34" charset="0"/>
               </a:rPr>
-              <a:t>–</a:t>
+              <a:t>–summary</a:t>
+            </a:r>
+            <a:r>
+              <a:rPr lang="zh-CN" altLang="en-US" sz="1400" dirty="0">
+                <a:latin typeface="Arial" panose="020B0604020202020204" pitchFamily="34" charset="0"/>
+                <a:cs typeface="Arial" panose="020B0604020202020204" pitchFamily="34" charset="0"/>
+              </a:rPr>
+              <a:t> </a:t>
+            </a:r>
+            <a:r>
+              <a:rPr lang="en-US" altLang="zh-CN" sz="1400" dirty="0">
+                <a:latin typeface="Arial" panose="020B0604020202020204" pitchFamily="34" charset="0"/>
+                <a:cs typeface="Arial" panose="020B0604020202020204" pitchFamily="34" charset="0"/>
+              </a:rPr>
+              <a:t>of positive reviews</a:t>
+            </a:r>
+            <a:r>
+              <a:rPr lang="zh-CN" altLang="en-US" sz="1400" dirty="0">
+                <a:latin typeface="Arial" panose="020B0604020202020204" pitchFamily="34" charset="0"/>
+                <a:cs typeface="Arial" panose="020B0604020202020204" pitchFamily="34" charset="0"/>
+              </a:rPr>
+              <a:t> </a:t>
+            </a:r>
+            <a:r>
+              <a:rPr lang="en-US" altLang="zh-CN" sz="1400" dirty="0">
+                <a:latin typeface="Arial" panose="020B0604020202020204" pitchFamily="34" charset="0"/>
+                <a:cs typeface="Arial" panose="020B0604020202020204" pitchFamily="34" charset="0"/>
+              </a:rPr>
+              <a:t>by</a:t>
+            </a:r>
+            <a:r>
+              <a:rPr lang="zh-CN" altLang="en-US" sz="1400" dirty="0">
+                <a:latin typeface="Arial" panose="020B0604020202020204" pitchFamily="34" charset="0"/>
+                <a:cs typeface="Arial" panose="020B0604020202020204" pitchFamily="34" charset="0"/>
+              </a:rPr>
+              <a:t> </a:t>
             </a:r>
             <a:r>
               <a:rPr lang="en-US" altLang="zh-CN" sz="1400" dirty="0" err="1">
                 <a:latin typeface="Arial" panose="020B0604020202020204" pitchFamily="34" charset="0"/>
                 <a:cs typeface="Arial" panose="020B0604020202020204" pitchFamily="34" charset="0"/>
               </a:rPr>
-              <a:t>sßummary</a:t>
+              <a:t>TextRank</a:t>
+            </a:r>
+            <a:endParaRPr lang="en-US" altLang="zh-CN" sz="1400" dirty="0">
+              <a:latin typeface="Arial" panose="020B0604020202020204" pitchFamily="34" charset="0"/>
+              <a:cs typeface="Arial" panose="020B0604020202020204" pitchFamily="34" charset="0"/>
+            </a:endParaRPr>
+          </a:p>
+          <a:p>
+            <a:r>
+              <a:rPr lang="en-US" sz="1400" dirty="0">
+                <a:latin typeface="Arial" panose="020B0604020202020204" pitchFamily="34" charset="0"/>
+                <a:cs typeface="Arial" panose="020B0604020202020204" pitchFamily="34" charset="0"/>
+              </a:rPr>
+              <a:t>“Will be a long time before I give them my business again!”</a:t>
+            </a:r>
+          </a:p>
+          <a:p>
+            <a:pPr algn="r"/>
+            <a:r>
+              <a:rPr lang="en-US" altLang="zh-CN" sz="1400" dirty="0">
+                <a:latin typeface="Arial" panose="020B0604020202020204" pitchFamily="34" charset="0"/>
+                <a:cs typeface="Arial" panose="020B0604020202020204" pitchFamily="34" charset="0"/>
+              </a:rPr>
+              <a:t>–summary</a:t>
             </a:r>
             <a:r>
               <a:rPr lang="zh-CN" altLang="en-US" sz="1400" dirty="0">
@@ -5396,7 +5454,7 @@
                 <a:latin typeface="Arial" panose="020B0604020202020204" pitchFamily="34" charset="0"/>
                 <a:cs typeface="Arial" panose="020B0604020202020204" pitchFamily="34" charset="0"/>
               </a:rPr>
-              <a:t>based</a:t>
+              <a:t>of negative reviews</a:t>
             </a:r>
             <a:r>
               <a:rPr lang="zh-CN" altLang="en-US" sz="1400" dirty="0">
@@ -5410,7 +5468,7 @@
                 <a:latin typeface="Arial" panose="020B0604020202020204" pitchFamily="34" charset="0"/>
                 <a:cs typeface="Arial" panose="020B0604020202020204" pitchFamily="34" charset="0"/>
               </a:rPr>
-              <a:t>on</a:t>
+              <a:t>by</a:t>
             </a:r>
             <a:r>
               <a:rPr lang="zh-CN" altLang="en-US" sz="1400" dirty="0">
@@ -5420,69 +5478,13 @@
               <a:t> </a:t>
             </a:r>
             <a:r>
-              <a:rPr lang="en-US" altLang="zh-CN" sz="1400" dirty="0">
-                <a:latin typeface="Arial" panose="020B0604020202020204" pitchFamily="34" charset="0"/>
-                <a:cs typeface="Arial" panose="020B0604020202020204" pitchFamily="34" charset="0"/>
-              </a:rPr>
-              <a:t>reviews</a:t>
-            </a:r>
-            <a:r>
-              <a:rPr lang="zh-CN" altLang="en-US" sz="1400" dirty="0">
-                <a:latin typeface="Arial" panose="020B0604020202020204" pitchFamily="34" charset="0"/>
-                <a:cs typeface="Arial" panose="020B0604020202020204" pitchFamily="34" charset="0"/>
-              </a:rPr>
-              <a:t> </a:t>
-            </a:r>
-            <a:r>
-              <a:rPr lang="en-US" altLang="zh-CN" sz="1400" dirty="0">
-                <a:latin typeface="Arial" panose="020B0604020202020204" pitchFamily="34" charset="0"/>
-                <a:cs typeface="Arial" panose="020B0604020202020204" pitchFamily="34" charset="0"/>
-              </a:rPr>
-              <a:t>of</a:t>
-            </a:r>
-            <a:r>
-              <a:rPr lang="zh-CN" altLang="en-US" sz="1400" dirty="0">
-                <a:latin typeface="Arial" panose="020B0604020202020204" pitchFamily="34" charset="0"/>
-                <a:cs typeface="Arial" panose="020B0604020202020204" pitchFamily="34" charset="0"/>
-              </a:rPr>
-              <a:t> </a:t>
-            </a:r>
-            <a:r>
-              <a:rPr lang="en-US" altLang="zh-CN" sz="1400" dirty="0">
-                <a:latin typeface="Arial" panose="020B0604020202020204" pitchFamily="34" charset="0"/>
-                <a:cs typeface="Arial" panose="020B0604020202020204" pitchFamily="34" charset="0"/>
-              </a:rPr>
-              <a:t>likes</a:t>
-            </a:r>
-            <a:r>
-              <a:rPr lang="zh-CN" altLang="en-US" sz="1400" dirty="0">
-                <a:latin typeface="Arial" panose="020B0604020202020204" pitchFamily="34" charset="0"/>
-                <a:cs typeface="Arial" panose="020B0604020202020204" pitchFamily="34" charset="0"/>
-              </a:rPr>
-              <a:t> </a:t>
-            </a:r>
-            <a:r>
-              <a:rPr lang="en-US" altLang="zh-CN" sz="1400" dirty="0">
-                <a:latin typeface="Arial" panose="020B0604020202020204" pitchFamily="34" charset="0"/>
-                <a:cs typeface="Arial" panose="020B0604020202020204" pitchFamily="34" charset="0"/>
-              </a:rPr>
-              <a:t>by</a:t>
-            </a:r>
-            <a:r>
-              <a:rPr lang="zh-CN" altLang="en-US" sz="1400" dirty="0">
-                <a:latin typeface="Arial" panose="020B0604020202020204" pitchFamily="34" charset="0"/>
-                <a:cs typeface="Arial" panose="020B0604020202020204" pitchFamily="34" charset="0"/>
-              </a:rPr>
-              <a:t> </a:t>
-            </a:r>
-            <a:r>
               <a:rPr lang="en-US" altLang="zh-CN" sz="1400" dirty="0" err="1">
                 <a:latin typeface="Arial" panose="020B0604020202020204" pitchFamily="34" charset="0"/>
                 <a:cs typeface="Arial" panose="020B0604020202020204" pitchFamily="34" charset="0"/>
               </a:rPr>
               <a:t>TextRank</a:t>
             </a:r>
-            <a:endParaRPr lang="en-US" sz="1400" dirty="0">
+            <a:endParaRPr lang="en-US" altLang="zh-CN" sz="1400" dirty="0">
               <a:latin typeface="Arial" panose="020B0604020202020204" pitchFamily="34" charset="0"/>
               <a:cs typeface="Arial" panose="020B0604020202020204" pitchFamily="34" charset="0"/>
             </a:endParaRPr>
@@ -5510,7 +5512,7 @@
         </p:blipFill>
         <p:spPr>
           <a:xfrm>
-            <a:off x="3766529" y="3551565"/>
+            <a:off x="3766529" y="3363307"/>
             <a:ext cx="5122221" cy="1750447"/>
           </a:xfrm>
           <a:prstGeom prst="rect">
@@ -5532,7 +5534,7 @@
         </p:nvSpPr>
         <p:spPr>
           <a:xfrm>
-            <a:off x="1589734" y="3958851"/>
+            <a:off x="1589734" y="3770593"/>
             <a:ext cx="824265" cy="400110"/>
           </a:xfrm>
           <a:prstGeom prst="rect">
@@ -5574,7 +5576,7 @@
         </p:nvSpPr>
         <p:spPr>
           <a:xfrm>
-            <a:off x="1490349" y="5823012"/>
+            <a:off x="1490349" y="5634754"/>
             <a:ext cx="1023037" cy="400110"/>
           </a:xfrm>
           <a:prstGeom prst="rect">
@@ -5616,7 +5618,7 @@
         </p:nvSpPr>
         <p:spPr>
           <a:xfrm>
-            <a:off x="1333253" y="3228945"/>
+            <a:off x="1333253" y="3040687"/>
             <a:ext cx="2234907" cy="400110"/>
           </a:xfrm>
           <a:prstGeom prst="rect">
@@ -5686,7 +5688,7 @@
         </p:nvSpPr>
         <p:spPr>
           <a:xfrm>
-            <a:off x="1333253" y="1537333"/>
+            <a:off x="1333253" y="1349075"/>
             <a:ext cx="1170513" cy="400110"/>
           </a:xfrm>
           <a:prstGeom prst="rect">
@@ -5728,7 +5730,7 @@
         </p:nvSpPr>
         <p:spPr>
           <a:xfrm>
-            <a:off x="1333253" y="2119408"/>
+            <a:off x="1333253" y="1931150"/>
             <a:ext cx="1531245" cy="793102"/>
           </a:xfrm>
           <a:prstGeom prst="roundRect">
@@ -5874,7 +5876,7 @@
         </p:nvCxnSpPr>
         <p:spPr>
           <a:xfrm flipV="1">
-            <a:off x="2864498" y="2119408"/>
+            <a:off x="2864498" y="1931150"/>
             <a:ext cx="559837" cy="396551"/>
           </a:xfrm>
           <a:prstGeom prst="straightConnector1">
@@ -5913,7 +5915,7 @@
         </p:nvSpPr>
         <p:spPr>
           <a:xfrm>
-            <a:off x="3498980" y="1625183"/>
+            <a:off x="3498980" y="1436925"/>
             <a:ext cx="2091082" cy="793102"/>
           </a:xfrm>
           <a:prstGeom prst="roundRect">
@@ -6123,7 +6125,7 @@
         </p:nvCxnSpPr>
         <p:spPr>
           <a:xfrm>
-            <a:off x="2864498" y="2517570"/>
+            <a:off x="2864498" y="2329312"/>
             <a:ext cx="559837" cy="314824"/>
           </a:xfrm>
           <a:prstGeom prst="straightConnector1">
@@ -6162,7 +6164,7 @@
         </p:nvSpPr>
         <p:spPr>
           <a:xfrm>
-            <a:off x="3498980" y="2524246"/>
+            <a:off x="3498980" y="2335988"/>
             <a:ext cx="2091082" cy="793102"/>
           </a:xfrm>
           <a:prstGeom prst="roundRect">
@@ -6407,7 +6409,7 @@
         </p:nvCxnSpPr>
         <p:spPr>
           <a:xfrm flipV="1">
-            <a:off x="5590062" y="2021733"/>
+            <a:off x="5590062" y="1833475"/>
             <a:ext cx="769195" cy="1"/>
           </a:xfrm>
           <a:prstGeom prst="straightConnector1">
@@ -6448,7 +6450,7 @@
         </p:nvCxnSpPr>
         <p:spPr>
           <a:xfrm flipV="1">
-            <a:off x="5590061" y="2920797"/>
+            <a:off x="5590061" y="2732539"/>
             <a:ext cx="769195" cy="1"/>
           </a:xfrm>
           <a:prstGeom prst="straightConnector1">
@@ -6487,7 +6489,7 @@
         </p:nvSpPr>
         <p:spPr>
           <a:xfrm>
-            <a:off x="6379914" y="2524246"/>
+            <a:off x="6379914" y="2335988"/>
             <a:ext cx="2091082" cy="793102"/>
           </a:xfrm>
           <a:prstGeom prst="roundRect">
@@ -6688,7 +6690,7 @@
         </p:nvSpPr>
         <p:spPr>
           <a:xfrm>
-            <a:off x="6379914" y="1590687"/>
+            <a:off x="6379914" y="1402429"/>
             <a:ext cx="2091082" cy="793102"/>
           </a:xfrm>
           <a:prstGeom prst="roundRect">
@@ -6861,7 +6863,7 @@
         </p:nvSpPr>
         <p:spPr>
           <a:xfrm>
-            <a:off x="9051490" y="2028894"/>
+            <a:off x="9051490" y="1840636"/>
             <a:ext cx="2321097" cy="793102"/>
           </a:xfrm>
           <a:prstGeom prst="roundRect">
@@ -7009,7 +7011,7 @@
         </p:nvCxnSpPr>
         <p:spPr>
           <a:xfrm flipH="1" flipV="1">
-            <a:off x="8491653" y="2022097"/>
+            <a:off x="8491653" y="1833839"/>
             <a:ext cx="559837" cy="396551"/>
           </a:xfrm>
           <a:prstGeom prst="straightConnector1">
@@ -7051,7 +7053,7 @@
         </p:nvCxnSpPr>
         <p:spPr>
           <a:xfrm flipH="1">
-            <a:off x="8491653" y="2427362"/>
+            <a:off x="8491653" y="2239104"/>
             <a:ext cx="559837" cy="314824"/>
           </a:xfrm>
           <a:prstGeom prst="straightConnector1">

--- a/Project/Outline.pptx
+++ b/Project/Outline.pptx
@@ -5619,7 +5619,7 @@
         <p:spPr>
           <a:xfrm>
             <a:off x="1333253" y="3040687"/>
-            <a:ext cx="2234907" cy="400110"/>
+            <a:ext cx="1920719" cy="400110"/>
           </a:xfrm>
           <a:prstGeom prst="rect">
             <a:avLst/>
@@ -5633,11 +5633,11 @@
           <a:lstStyle/>
           <a:p>
             <a:r>
-              <a:rPr lang="en-US" altLang="zh-CN" sz="2000" dirty="0">
-                <a:latin typeface="Arial" panose="020B0604020202020204" pitchFamily="34" charset="0"/>
-                <a:cs typeface="Arial" panose="020B0604020202020204" pitchFamily="34" charset="0"/>
-              </a:rPr>
-              <a:t>Example:</a:t>
+              <a:rPr lang="en-US" altLang="zh-CN" sz="2000">
+                <a:latin typeface="Arial" panose="020B0604020202020204" pitchFamily="34" charset="0"/>
+                <a:cs typeface="Arial" panose="020B0604020202020204" pitchFamily="34" charset="0"/>
+              </a:rPr>
+              <a:t>Result:</a:t>
             </a:r>
             <a:r>
               <a:rPr lang="zh-CN" altLang="en-US" sz="2000" dirty="0">

--- a/Project/Outline.pptx
+++ b/Project/Outline.pptx
@@ -1154,7 +1154,7 @@
           <a:p>
             <a:fld id="{2A4ADFFF-906B-1744-8F37-3A6059CC4073}" type="datetimeFigureOut">
               <a:rPr lang="en-US" smtClean="0"/>
-              <a:t>11/19/19</a:t>
+              <a:t>11/21/19</a:t>
             </a:fld>
             <a:endParaRPr lang="en-US"/>
           </a:p>
@@ -1652,7 +1652,7 @@
           <a:p>
             <a:fld id="{C690C6B3-2C61-844B-B3D0-EA69A2ADA3F5}" type="datetimeFigureOut">
               <a:rPr lang="en-US" smtClean="0"/>
-              <a:t>11/19/19</a:t>
+              <a:t>11/21/19</a:t>
             </a:fld>
             <a:endParaRPr lang="en-US"/>
           </a:p>
@@ -1850,7 +1850,7 @@
           <a:p>
             <a:fld id="{C690C6B3-2C61-844B-B3D0-EA69A2ADA3F5}" type="datetimeFigureOut">
               <a:rPr lang="en-US" smtClean="0"/>
-              <a:t>11/19/19</a:t>
+              <a:t>11/21/19</a:t>
             </a:fld>
             <a:endParaRPr lang="en-US"/>
           </a:p>
@@ -2058,7 +2058,7 @@
           <a:p>
             <a:fld id="{C690C6B3-2C61-844B-B3D0-EA69A2ADA3F5}" type="datetimeFigureOut">
               <a:rPr lang="en-US" smtClean="0"/>
-              <a:t>11/19/19</a:t>
+              <a:t>11/21/19</a:t>
             </a:fld>
             <a:endParaRPr lang="en-US"/>
           </a:p>
@@ -2256,7 +2256,7 @@
           <a:p>
             <a:fld id="{C690C6B3-2C61-844B-B3D0-EA69A2ADA3F5}" type="datetimeFigureOut">
               <a:rPr lang="en-US" smtClean="0"/>
-              <a:t>11/19/19</a:t>
+              <a:t>11/21/19</a:t>
             </a:fld>
             <a:endParaRPr lang="en-US"/>
           </a:p>
@@ -2531,7 +2531,7 @@
           <a:p>
             <a:fld id="{C690C6B3-2C61-844B-B3D0-EA69A2ADA3F5}" type="datetimeFigureOut">
               <a:rPr lang="en-US" smtClean="0"/>
-              <a:t>11/19/19</a:t>
+              <a:t>11/21/19</a:t>
             </a:fld>
             <a:endParaRPr lang="en-US"/>
           </a:p>
@@ -2796,7 +2796,7 @@
           <a:p>
             <a:fld id="{C690C6B3-2C61-844B-B3D0-EA69A2ADA3F5}" type="datetimeFigureOut">
               <a:rPr lang="en-US" smtClean="0"/>
-              <a:t>11/19/19</a:t>
+              <a:t>11/21/19</a:t>
             </a:fld>
             <a:endParaRPr lang="en-US"/>
           </a:p>
@@ -3208,7 +3208,7 @@
           <a:p>
             <a:fld id="{C690C6B3-2C61-844B-B3D0-EA69A2ADA3F5}" type="datetimeFigureOut">
               <a:rPr lang="en-US" smtClean="0"/>
-              <a:t>11/19/19</a:t>
+              <a:t>11/21/19</a:t>
             </a:fld>
             <a:endParaRPr lang="en-US"/>
           </a:p>
@@ -3349,7 +3349,7 @@
           <a:p>
             <a:fld id="{C690C6B3-2C61-844B-B3D0-EA69A2ADA3F5}" type="datetimeFigureOut">
               <a:rPr lang="en-US" smtClean="0"/>
-              <a:t>11/19/19</a:t>
+              <a:t>11/21/19</a:t>
             </a:fld>
             <a:endParaRPr lang="en-US"/>
           </a:p>
@@ -3462,7 +3462,7 @@
           <a:p>
             <a:fld id="{C690C6B3-2C61-844B-B3D0-EA69A2ADA3F5}" type="datetimeFigureOut">
               <a:rPr lang="en-US" smtClean="0"/>
-              <a:t>11/19/19</a:t>
+              <a:t>11/21/19</a:t>
             </a:fld>
             <a:endParaRPr lang="en-US"/>
           </a:p>
@@ -3773,7 +3773,7 @@
           <a:p>
             <a:fld id="{C690C6B3-2C61-844B-B3D0-EA69A2ADA3F5}" type="datetimeFigureOut">
               <a:rPr lang="en-US" smtClean="0"/>
-              <a:t>11/19/19</a:t>
+              <a:t>11/21/19</a:t>
             </a:fld>
             <a:endParaRPr lang="en-US"/>
           </a:p>
@@ -4061,7 +4061,7 @@
           <a:p>
             <a:fld id="{C690C6B3-2C61-844B-B3D0-EA69A2ADA3F5}" type="datetimeFigureOut">
               <a:rPr lang="en-US" smtClean="0"/>
-              <a:t>11/19/19</a:t>
+              <a:t>11/21/19</a:t>
             </a:fld>
             <a:endParaRPr lang="en-US"/>
           </a:p>
@@ -4302,7 +4302,7 @@
           <a:p>
             <a:fld id="{C690C6B3-2C61-844B-B3D0-EA69A2ADA3F5}" type="datetimeFigureOut">
               <a:rPr lang="en-US" smtClean="0"/>
-              <a:t>11/19/19</a:t>
+              <a:t>11/21/19</a:t>
             </a:fld>
             <a:endParaRPr lang="en-US"/>
           </a:p>
@@ -5257,13 +5257,13 @@
           <p:nvPr>
             <p:extLst>
               <p:ext uri="{D42A27DB-BD31-4B8C-83A1-F6EECF244321}">
-                <p14:modId xmlns:p14="http://schemas.microsoft.com/office/powerpoint/2010/main" val="2562546409"/>
+                <p14:modId xmlns:p14="http://schemas.microsoft.com/office/powerpoint/2010/main" val="681529473"/>
               </p:ext>
             </p:extLst>
           </p:nvPr>
         </p:nvGraphicFramePr>
         <p:xfrm>
-          <a:off x="3044137" y="4904687"/>
+          <a:off x="2439878" y="4904687"/>
           <a:ext cx="2752752" cy="1835168"/>
         </p:xfrm>
         <a:graphic>
@@ -5286,8 +5286,8 @@
         </p:nvSpPr>
         <p:spPr>
           <a:xfrm>
-            <a:off x="5221452" y="5018300"/>
-            <a:ext cx="6970548" cy="1600438"/>
+            <a:off x="4468092" y="5018223"/>
+            <a:ext cx="7784866" cy="1600438"/>
           </a:xfrm>
           <a:prstGeom prst="rect">
             <a:avLst/>
@@ -5318,7 +5318,14 @@
                 <a:latin typeface="Arial" panose="020B0604020202020204" pitchFamily="34" charset="0"/>
                 <a:cs typeface="Arial" panose="020B0604020202020204" pitchFamily="34" charset="0"/>
               </a:rPr>
-              <a:t>3.06</a:t>
+              <a:t>3.06, </a:t>
+            </a:r>
+            <a:r>
+              <a:rPr lang="en-US" altLang="zh-CN" sz="1400" dirty="0">
+                <a:latin typeface="Arial" panose="020B0604020202020204" pitchFamily="34" charset="0"/>
+                <a:cs typeface="Arial" panose="020B0604020202020204" pitchFamily="34" charset="0"/>
+              </a:rPr>
+              <a:t>by comparing with Wendy’s (2.9), p-value is 0.02, statistically better than Wendy’s  </a:t>
             </a:r>
           </a:p>
           <a:p>
@@ -5512,7 +5519,7 @@
         </p:blipFill>
         <p:spPr>
           <a:xfrm>
-            <a:off x="3766529" y="3363307"/>
+            <a:off x="3028950" y="3350845"/>
             <a:ext cx="5122221" cy="1750447"/>
           </a:xfrm>
           <a:prstGeom prst="rect">
@@ -5619,7 +5626,7 @@
         <p:spPr>
           <a:xfrm>
             <a:off x="1333253" y="3040687"/>
-            <a:ext cx="1920719" cy="400110"/>
+            <a:ext cx="3315331" cy="400110"/>
           </a:xfrm>
           <a:prstGeom prst="rect">
             <a:avLst/>
@@ -5633,7 +5640,7 @@
           <a:lstStyle/>
           <a:p>
             <a:r>
-              <a:rPr lang="en-US" altLang="zh-CN" sz="2000">
+              <a:rPr lang="en-US" altLang="zh-CN" sz="2000" dirty="0">
                 <a:latin typeface="Arial" panose="020B0604020202020204" pitchFamily="34" charset="0"/>
                 <a:cs typeface="Arial" panose="020B0604020202020204" pitchFamily="34" charset="0"/>
               </a:rPr>
@@ -5665,7 +5672,7 @@
                 <a:latin typeface="Arial" panose="020B0604020202020204" pitchFamily="34" charset="0"/>
                 <a:cs typeface="Arial" panose="020B0604020202020204" pitchFamily="34" charset="0"/>
               </a:rPr>
-              <a:t>1)</a:t>
+              <a:t>1, completed)</a:t>
             </a:r>
             <a:endParaRPr lang="en-US" sz="2000" dirty="0">
               <a:latin typeface="Arial" panose="020B0604020202020204" pitchFamily="34" charset="0"/>
@@ -6746,7 +6753,7 @@
                 <a:latin typeface="Arial" panose="020B0604020202020204" pitchFamily="34" charset="0"/>
                 <a:cs typeface="Arial" panose="020B0604020202020204" pitchFamily="34" charset="0"/>
               </a:rPr>
-              <a:t>summary</a:t>
+              <a:t>summarization</a:t>
             </a:r>
           </a:p>
           <a:p>
@@ -7079,6 +7086,62 @@
           </a:fontRef>
         </p:style>
       </p:cxnSp>
+      <p:sp>
+        <p:nvSpPr>
+          <p:cNvPr id="2" name="TextBox 1">
+            <a:extLst>
+              <a:ext uri="{FF2B5EF4-FFF2-40B4-BE49-F238E27FC236}">
+                <a16:creationId xmlns:a16="http://schemas.microsoft.com/office/drawing/2014/main" id="{BC1FEE33-A2F8-6442-AF18-DE174CDECB20}"/>
+              </a:ext>
+            </a:extLst>
+          </p:cNvPr>
+          <p:cNvSpPr txBox="1"/>
+          <p:nvPr/>
+        </p:nvSpPr>
+        <p:spPr>
+          <a:xfrm>
+            <a:off x="7850508" y="3417281"/>
+            <a:ext cx="4249881" cy="923330"/>
+          </a:xfrm>
+          <a:prstGeom prst="rect">
+            <a:avLst/>
+          </a:prstGeom>
+          <a:noFill/>
+        </p:spPr>
+        <p:txBody>
+          <a:bodyPr wrap="none" rtlCol="0">
+            <a:spAutoFit/>
+          </a:bodyPr>
+          <a:lstStyle/>
+          <a:p>
+            <a:r>
+              <a:rPr lang="en-US" dirty="0">
+                <a:latin typeface="Arial" panose="020B0604020202020204" pitchFamily="34" charset="0"/>
+                <a:cs typeface="Arial" panose="020B0604020202020204" pitchFamily="34" charset="0"/>
+              </a:rPr>
+              <a:t>Numbers: </a:t>
+            </a:r>
+          </a:p>
+          <a:p>
+            <a:r>
+              <a:rPr lang="en-US" dirty="0">
+                <a:latin typeface="Arial" panose="020B0604020202020204" pitchFamily="34" charset="0"/>
+                <a:cs typeface="Arial" panose="020B0604020202020204" pitchFamily="34" charset="0"/>
+              </a:rPr>
+              <a:t>35% services have &gt; 30 reviews,</a:t>
+            </a:r>
+          </a:p>
+          <a:p>
+            <a:r>
+              <a:rPr lang="en-US" dirty="0">
+                <a:latin typeface="Arial" panose="020B0604020202020204" pitchFamily="34" charset="0"/>
+                <a:cs typeface="Arial" panose="020B0604020202020204" pitchFamily="34" charset="0"/>
+              </a:rPr>
+              <a:t>89% services have ratings from 3.0-4.5 </a:t>
+            </a:r>
+          </a:p>
+        </p:txBody>
+      </p:sp>
     </p:spTree>
     <p:extLst>
       <p:ext uri="{BB962C8B-B14F-4D97-AF65-F5344CB8AC3E}">

--- a/Project/Outline.pptx
+++ b/Project/Outline.pptx
@@ -4749,11 +4749,11 @@
           <a:p>
             <a:pPr algn="ctr"/>
             <a:r>
-              <a:rPr lang="en-US" altLang="zh-CN" sz="2000" b="1" dirty="0">
-                <a:latin typeface="Arial" panose="020B0604020202020204" pitchFamily="34" charset="0"/>
-                <a:cs typeface="Arial" panose="020B0604020202020204" pitchFamily="34" charset="0"/>
-              </a:rPr>
-              <a:t>Goal:</a:t>
+              <a:rPr lang="en-US" altLang="zh-CN" sz="2000" b="1">
+                <a:latin typeface="Arial" panose="020B0604020202020204" pitchFamily="34" charset="0"/>
+                <a:cs typeface="Arial" panose="020B0604020202020204" pitchFamily="34" charset="0"/>
+              </a:rPr>
+              <a:t>Peek-Pick:</a:t>
             </a:r>
             <a:r>
               <a:rPr lang="zh-CN" altLang="en-US" sz="2000" b="1" dirty="0">

--- a/Project/Outline.pptx
+++ b/Project/Outline.pptx
@@ -5930,8 +5930,7 @@
           </a:prstGeom>
           <a:solidFill>
             <a:schemeClr val="accent2">
-              <a:lumMod val="60000"/>
-              <a:lumOff val="40000"/>
+              <a:lumMod val="75000"/>
             </a:schemeClr>
           </a:solidFill>
           <a:ln>
@@ -6178,9 +6177,8 @@
             <a:avLst/>
           </a:prstGeom>
           <a:solidFill>
-            <a:schemeClr val="accent1">
-              <a:lumMod val="60000"/>
-              <a:lumOff val="40000"/>
+            <a:schemeClr val="accent4">
+              <a:lumMod val="75000"/>
             </a:schemeClr>
           </a:solidFill>
           <a:ln>
@@ -6503,9 +6501,8 @@
             <a:avLst/>
           </a:prstGeom>
           <a:solidFill>
-            <a:schemeClr val="accent1">
-              <a:lumMod val="60000"/>
-              <a:lumOff val="40000"/>
+            <a:schemeClr val="accent4">
+              <a:lumMod val="75000"/>
             </a:schemeClr>
           </a:solidFill>
           <a:ln>
@@ -6705,8 +6702,7 @@
           </a:prstGeom>
           <a:solidFill>
             <a:schemeClr val="accent2">
-              <a:lumMod val="60000"/>
-              <a:lumOff val="40000"/>
+              <a:lumMod val="75000"/>
             </a:schemeClr>
           </a:solidFill>
           <a:ln>
